--- a/hw2/figures/Modules_and_Functions.pptx
+++ b/hw2/figures/Modules_and_Functions.pptx
@@ -243,7 +243,7 @@
           <a:p>
             <a:fld id="{7135EC44-C5A7-40BF-BD7F-980CC5279D14}" type="datetimeFigureOut">
               <a:rPr lang="ko-KR" altLang="en-US" smtClean="0"/>
-              <a:t>2022-09-01</a:t>
+              <a:t>2022-09-08</a:t>
             </a:fld>
             <a:endParaRPr lang="ko-KR" altLang="en-US"/>
           </a:p>
@@ -413,7 +413,7 @@
           <a:p>
             <a:fld id="{7135EC44-C5A7-40BF-BD7F-980CC5279D14}" type="datetimeFigureOut">
               <a:rPr lang="ko-KR" altLang="en-US" smtClean="0"/>
-              <a:t>2022-09-01</a:t>
+              <a:t>2022-09-08</a:t>
             </a:fld>
             <a:endParaRPr lang="ko-KR" altLang="en-US"/>
           </a:p>
@@ -593,7 +593,7 @@
           <a:p>
             <a:fld id="{7135EC44-C5A7-40BF-BD7F-980CC5279D14}" type="datetimeFigureOut">
               <a:rPr lang="ko-KR" altLang="en-US" smtClean="0"/>
-              <a:t>2022-09-01</a:t>
+              <a:t>2022-09-08</a:t>
             </a:fld>
             <a:endParaRPr lang="ko-KR" altLang="en-US"/>
           </a:p>
@@ -763,7 +763,7 @@
           <a:p>
             <a:fld id="{7135EC44-C5A7-40BF-BD7F-980CC5279D14}" type="datetimeFigureOut">
               <a:rPr lang="ko-KR" altLang="en-US" smtClean="0"/>
-              <a:t>2022-09-01</a:t>
+              <a:t>2022-09-08</a:t>
             </a:fld>
             <a:endParaRPr lang="ko-KR" altLang="en-US"/>
           </a:p>
@@ -1007,7 +1007,7 @@
           <a:p>
             <a:fld id="{7135EC44-C5A7-40BF-BD7F-980CC5279D14}" type="datetimeFigureOut">
               <a:rPr lang="ko-KR" altLang="en-US" smtClean="0"/>
-              <a:t>2022-09-01</a:t>
+              <a:t>2022-09-08</a:t>
             </a:fld>
             <a:endParaRPr lang="ko-KR" altLang="en-US"/>
           </a:p>
@@ -1239,7 +1239,7 @@
           <a:p>
             <a:fld id="{7135EC44-C5A7-40BF-BD7F-980CC5279D14}" type="datetimeFigureOut">
               <a:rPr lang="ko-KR" altLang="en-US" smtClean="0"/>
-              <a:t>2022-09-01</a:t>
+              <a:t>2022-09-08</a:t>
             </a:fld>
             <a:endParaRPr lang="ko-KR" altLang="en-US"/>
           </a:p>
@@ -1606,7 +1606,7 @@
           <a:p>
             <a:fld id="{7135EC44-C5A7-40BF-BD7F-980CC5279D14}" type="datetimeFigureOut">
               <a:rPr lang="ko-KR" altLang="en-US" smtClean="0"/>
-              <a:t>2022-09-01</a:t>
+              <a:t>2022-09-08</a:t>
             </a:fld>
             <a:endParaRPr lang="ko-KR" altLang="en-US"/>
           </a:p>
@@ -1724,7 +1724,7 @@
           <a:p>
             <a:fld id="{7135EC44-C5A7-40BF-BD7F-980CC5279D14}" type="datetimeFigureOut">
               <a:rPr lang="ko-KR" altLang="en-US" smtClean="0"/>
-              <a:t>2022-09-01</a:t>
+              <a:t>2022-09-08</a:t>
             </a:fld>
             <a:endParaRPr lang="ko-KR" altLang="en-US"/>
           </a:p>
@@ -1819,7 +1819,7 @@
           <a:p>
             <a:fld id="{7135EC44-C5A7-40BF-BD7F-980CC5279D14}" type="datetimeFigureOut">
               <a:rPr lang="ko-KR" altLang="en-US" smtClean="0"/>
-              <a:t>2022-09-01</a:t>
+              <a:t>2022-09-08</a:t>
             </a:fld>
             <a:endParaRPr lang="ko-KR" altLang="en-US"/>
           </a:p>
@@ -2096,7 +2096,7 @@
           <a:p>
             <a:fld id="{7135EC44-C5A7-40BF-BD7F-980CC5279D14}" type="datetimeFigureOut">
               <a:rPr lang="ko-KR" altLang="en-US" smtClean="0"/>
-              <a:t>2022-09-01</a:t>
+              <a:t>2022-09-08</a:t>
             </a:fld>
             <a:endParaRPr lang="ko-KR" altLang="en-US"/>
           </a:p>
@@ -2353,7 +2353,7 @@
           <a:p>
             <a:fld id="{7135EC44-C5A7-40BF-BD7F-980CC5279D14}" type="datetimeFigureOut">
               <a:rPr lang="ko-KR" altLang="en-US" smtClean="0"/>
-              <a:t>2022-09-01</a:t>
+              <a:t>2022-09-08</a:t>
             </a:fld>
             <a:endParaRPr lang="ko-KR" altLang="en-US"/>
           </a:p>
@@ -2566,7 +2566,7 @@
           <a:p>
             <a:fld id="{7135EC44-C5A7-40BF-BD7F-980CC5279D14}" type="datetimeFigureOut">
               <a:rPr lang="ko-KR" altLang="en-US" smtClean="0"/>
-              <a:t>2022-09-01</a:t>
+              <a:t>2022-09-08</a:t>
             </a:fld>
             <a:endParaRPr lang="ko-KR" altLang="en-US"/>
           </a:p>
@@ -2986,14 +2986,14 @@
           <p:nvPr>
             <p:extLst>
               <p:ext uri="{D42A27DB-BD31-4B8C-83A1-F6EECF244321}">
-                <p14:modId xmlns:p14="http://schemas.microsoft.com/office/powerpoint/2010/main" val="75549883"/>
+                <p14:modId xmlns:p14="http://schemas.microsoft.com/office/powerpoint/2010/main" val="969994284"/>
               </p:ext>
             </p:extLst>
           </p:nvPr>
         </p:nvGraphicFramePr>
         <p:xfrm>
           <a:off x="0" y="0"/>
-          <a:ext cx="5715001" cy="2473002"/>
+          <a:ext cx="5715001" cy="834392"/>
         </p:xfrm>
         <a:graphic>
           <a:graphicData uri="http://schemas.openxmlformats.org/drawingml/2006/table">
@@ -3086,17 +3086,17 @@
                 </a:extLst>
               </a:tr>
               <a:tr h="208598">
-                <a:tc rowSpan="2">
+                <a:tc rowSpan="3">
                   <a:txBody>
                     <a:bodyPr/>
                     <a:lstStyle/>
                     <a:p>
                       <a:pPr algn="ctr" latinLnBrk="1"/>
                       <a:r>
-                        <a:rPr lang="en-US" altLang="ko-KR" sz="800" dirty="0">
+                        <a:rPr lang="en-US" altLang="ko-KR" sz="800" dirty="0" err="1">
                           <a:latin typeface="+mn-lt"/>
                         </a:rPr>
-                        <a:t>Read</a:t>
+                        <a:t>prod_cons</a:t>
                       </a:r>
                       <a:endParaRPr lang="ko-KR" altLang="en-US" sz="800" dirty="0">
                         <a:latin typeface="+mn-lt"/>
@@ -3112,10 +3112,10 @@
                     <a:p>
                       <a:pPr algn="ctr" latinLnBrk="1"/>
                       <a:r>
-                        <a:rPr lang="en-US" altLang="ko-KR" sz="800" dirty="0" err="1">
+                        <a:rPr lang="en-US" altLang="ko-KR" sz="800" dirty="0">
                           <a:latin typeface="+mn-lt"/>
                         </a:rPr>
-                        <a:t>readLine</a:t>
+                        <a:t>producer</a:t>
                       </a:r>
                       <a:endParaRPr lang="ko-KR" altLang="en-US" sz="800" dirty="0">
                         <a:latin typeface="+mn-lt"/>
@@ -3136,133 +3136,7 @@
                         <a:rPr lang="en-US" altLang="ko-KR" sz="800" dirty="0">
                           <a:latin typeface="+mn-lt"/>
                         </a:rPr>
-                        <a:t>Function to read a line from the command into the buffer.</a:t>
-                      </a:r>
-                      <a:endParaRPr lang="ko-KR" altLang="en-US" sz="800" dirty="0">
-                        <a:latin typeface="+mn-lt"/>
-                      </a:endParaRPr>
-                    </a:p>
-                  </a:txBody>
-                  <a:tcPr marL="51435" marR="51435" marT="25718" marB="25718" anchor="ctr"/>
-                </a:tc>
-                <a:extLst>
-                  <a:ext uri="{0D108BD9-81ED-4DB2-BD59-A6C34878D82A}">
-                    <a16:rowId xmlns:a16="http://schemas.microsoft.com/office/drawing/2014/main" val="3833427058"/>
-                  </a:ext>
-                </a:extLst>
-              </a:tr>
-              <a:tr h="208598">
-                <a:tc vMerge="1">
-                  <a:txBody>
-                    <a:bodyPr/>
-                    <a:lstStyle/>
-                    <a:p>
-                      <a:pPr algn="ctr" latinLnBrk="1"/>
-                      <a:endParaRPr lang="ko-KR" altLang="en-US" sz="800" dirty="0">
-                        <a:latin typeface="+mn-lt"/>
-                      </a:endParaRPr>
-                    </a:p>
-                  </a:txBody>
-                  <a:tcPr marL="51435" marR="51435" marT="25718" marB="25718" anchor="ctr"/>
-                </a:tc>
-                <a:tc>
-                  <a:txBody>
-                    <a:bodyPr/>
-                    <a:lstStyle/>
-                    <a:p>
-                      <a:pPr algn="ctr" latinLnBrk="1"/>
-                      <a:r>
-                        <a:rPr lang="en-US" altLang="ko-KR" sz="800" dirty="0" err="1">
-                          <a:latin typeface="+mn-lt"/>
-                        </a:rPr>
-                        <a:t>splitLine</a:t>
-                      </a:r>
-                      <a:endParaRPr lang="ko-KR" altLang="en-US" sz="800" dirty="0">
-                        <a:latin typeface="+mn-lt"/>
-                      </a:endParaRPr>
-                    </a:p>
-                  </a:txBody>
-                  <a:tcPr marL="51435" marR="51435" marT="25718" marB="25718" anchor="ctr"/>
-                </a:tc>
-                <a:tc>
-                  <a:txBody>
-                    <a:bodyPr/>
-                    <a:lstStyle/>
-                    <a:p>
-                      <a:pPr marL="0" indent="0" algn="l" latinLnBrk="1">
-                        <a:buNone/>
-                      </a:pPr>
-                      <a:r>
-                        <a:rPr lang="en-US" altLang="ko-KR" sz="800" dirty="0">
-                          <a:latin typeface="+mn-lt"/>
-                        </a:rPr>
-                        <a:t>Function to split a line into the consistent commands.</a:t>
-                      </a:r>
-                      <a:endParaRPr lang="ko-KR" altLang="en-US" sz="800" dirty="0">
-                        <a:latin typeface="+mn-lt"/>
-                      </a:endParaRPr>
-                    </a:p>
-                  </a:txBody>
-                  <a:tcPr marL="51435" marR="51435" marT="25718" marB="25718" anchor="ctr"/>
-                </a:tc>
-                <a:extLst>
-                  <a:ext uri="{0D108BD9-81ED-4DB2-BD59-A6C34878D82A}">
-                    <a16:rowId xmlns:a16="http://schemas.microsoft.com/office/drawing/2014/main" val="693961132"/>
-                  </a:ext>
-                </a:extLst>
-              </a:tr>
-              <a:tr h="208598">
-                <a:tc rowSpan="6">
-                  <a:txBody>
-                    <a:bodyPr/>
-                    <a:lstStyle/>
-                    <a:p>
-                      <a:pPr algn="ctr" latinLnBrk="1"/>
-                      <a:r>
-                        <a:rPr lang="en-US" altLang="ko-KR" sz="800" dirty="0" err="1">
-                          <a:latin typeface="+mn-lt"/>
-                        </a:rPr>
-                        <a:t>Func</a:t>
-                      </a:r>
-                      <a:endParaRPr lang="ko-KR" altLang="en-US" sz="800" dirty="0">
-                        <a:latin typeface="+mn-lt"/>
-                      </a:endParaRPr>
-                    </a:p>
-                  </a:txBody>
-                  <a:tcPr marL="51435" marR="51435" marT="25718" marB="25718" anchor="ctr"/>
-                </a:tc>
-                <a:tc>
-                  <a:txBody>
-                    <a:bodyPr/>
-                    <a:lstStyle/>
-                    <a:p>
-                      <a:pPr algn="ctr" latinLnBrk="1"/>
-                      <a:r>
-                        <a:rPr lang="en-US" altLang="ko-KR" sz="800" dirty="0" err="1">
-                          <a:latin typeface="+mn-lt"/>
-                        </a:rPr>
-                        <a:t>numBuiltin</a:t>
-                      </a:r>
-                      <a:endParaRPr lang="ko-KR" altLang="en-US" sz="800" dirty="0">
-                        <a:latin typeface="+mn-lt"/>
-                      </a:endParaRPr>
-                    </a:p>
-                  </a:txBody>
-                  <a:tcPr marL="51435" marR="51435" marT="25718" marB="25718" anchor="ctr"/>
-                </a:tc>
-                <a:tc>
-                  <a:txBody>
-                    <a:bodyPr/>
-                    <a:lstStyle/>
-                    <a:p>
-                      <a:pPr marL="0" indent="0" algn="l" latinLnBrk="1">
-                        <a:buNone/>
-                      </a:pPr>
-                      <a:r>
-                        <a:rPr lang="en-US" altLang="ko-KR" sz="800" dirty="0">
-                          <a:latin typeface="+mn-lt"/>
-                        </a:rPr>
-                        <a:t>Function that returns the number of implemented built-in commands.</a:t>
+                        <a:t>Reads the lines from a given file, and put the line string on the shared buffer</a:t>
                       </a:r>
                       <a:endParaRPr lang="ko-KR" altLang="en-US" sz="800" dirty="0">
                         <a:latin typeface="+mn-lt"/>
@@ -3304,10 +3178,10 @@
                     <a:p>
                       <a:pPr algn="ctr" latinLnBrk="1"/>
                       <a:r>
-                        <a:rPr lang="en-US" altLang="ko-KR" sz="800" dirty="0" err="1">
+                        <a:rPr lang="en-US" altLang="ko-KR" sz="800" dirty="0">
                           <a:latin typeface="+mn-lt"/>
                         </a:rPr>
-                        <a:t>SiSH_Launch</a:t>
+                        <a:t>consumer</a:t>
                       </a:r>
                       <a:endParaRPr lang="ko-KR" altLang="en-US" sz="800" dirty="0">
                         <a:latin typeface="+mn-lt"/>
@@ -3328,7 +3202,13 @@
                         <a:rPr lang="en-US" altLang="ko-KR" sz="800" dirty="0">
                           <a:latin typeface="+mn-lt"/>
                         </a:rPr>
-                        <a:t>Functions to create the child process and run the commands.</a:t>
+                        <a:t>Get string from the shared buffer, and print the line out on the </a:t>
+                      </a:r>
+                      <a:r>
+                        <a:rPr lang="en-US" altLang="ko-KR" sz="800">
+                          <a:latin typeface="+mn-lt"/>
+                        </a:rPr>
+                        <a:t>console screen</a:t>
                       </a:r>
                       <a:endParaRPr lang="ko-KR" altLang="en-US" sz="800" dirty="0">
                         <a:latin typeface="+mn-lt"/>
@@ -3370,10 +3250,10 @@
                     <a:p>
                       <a:pPr algn="ctr" latinLnBrk="1"/>
                       <a:r>
-                        <a:rPr lang="en-US" altLang="ko-KR" sz="800" dirty="0" err="1">
+                        <a:rPr lang="en-US" altLang="ko-KR" sz="800" dirty="0">
                           <a:latin typeface="+mn-lt"/>
                         </a:rPr>
-                        <a:t>SiSH_Exec</a:t>
+                        <a:t>main</a:t>
                       </a:r>
                       <a:endParaRPr lang="ko-KR" altLang="en-US" sz="800" dirty="0">
                         <a:latin typeface="+mn-lt"/>
@@ -3394,7 +3274,7 @@
                         <a:rPr lang="en-US" altLang="ko-KR" sz="800" dirty="0">
                           <a:latin typeface="+mn-lt"/>
                         </a:rPr>
-                        <a:t>Function to execute the command from the terminal.</a:t>
+                        <a:t>Main thread which performs the admin job</a:t>
                       </a:r>
                       <a:endParaRPr lang="ko-KR" altLang="en-US" sz="800" dirty="0">
                         <a:latin typeface="+mn-lt"/>
@@ -3406,408 +3286,6 @@
                 <a:extLst>
                   <a:ext uri="{0D108BD9-81ED-4DB2-BD59-A6C34878D82A}">
                     <a16:rowId xmlns:a16="http://schemas.microsoft.com/office/drawing/2014/main" val="557924150"/>
-                  </a:ext>
-                </a:extLst>
-              </a:tr>
-              <a:tr h="178424">
-                <a:tc vMerge="1">
-                  <a:txBody>
-                    <a:bodyPr/>
-                    <a:lstStyle/>
-                    <a:p>
-                      <a:pPr algn="ctr" latinLnBrk="1"/>
-                      <a:r>
-                        <a:rPr lang="en-US" altLang="ko-KR" sz="800" dirty="0" err="1">
-                          <a:latin typeface="+mn-lt"/>
-                        </a:rPr>
-                        <a:t>FwdB</a:t>
-                      </a:r>
-                      <a:endParaRPr lang="ko-KR" altLang="en-US" sz="800" dirty="0">
-                        <a:latin typeface="+mn-lt"/>
-                      </a:endParaRPr>
-                    </a:p>
-                  </a:txBody>
-                  <a:tcPr marL="51435" marR="51435" marT="25718" marB="25718" anchor="ctr"/>
-                </a:tc>
-                <a:tc>
-                  <a:txBody>
-                    <a:bodyPr/>
-                    <a:lstStyle/>
-                    <a:p>
-                      <a:pPr algn="ctr" latinLnBrk="1"/>
-                      <a:r>
-                        <a:rPr lang="en-US" altLang="ko-KR" sz="800" dirty="0" err="1">
-                          <a:latin typeface="+mn-lt"/>
-                        </a:rPr>
-                        <a:t>readConfig</a:t>
-                      </a:r>
-                      <a:endParaRPr lang="ko-KR" altLang="en-US" sz="800" dirty="0">
-                        <a:latin typeface="+mn-lt"/>
-                      </a:endParaRPr>
-                    </a:p>
-                  </a:txBody>
-                  <a:tcPr marL="51435" marR="51435" marT="25718" marB="25718" anchor="ctr"/>
-                </a:tc>
-                <a:tc>
-                  <a:txBody>
-                    <a:bodyPr/>
-                    <a:lstStyle/>
-                    <a:p>
-                      <a:pPr marL="0" indent="0" algn="l" latinLnBrk="1">
-                        <a:buNone/>
-                      </a:pPr>
-                      <a:r>
-                        <a:rPr lang="en-US" altLang="ko-KR" sz="800" dirty="0">
-                          <a:latin typeface="+mn-lt"/>
-                        </a:rPr>
-                        <a:t>Function that read and parse the context from the configuration file.</a:t>
-                      </a:r>
-                      <a:endParaRPr lang="ko-KR" altLang="en-US" sz="800" dirty="0">
-                        <a:latin typeface="+mn-lt"/>
-                      </a:endParaRPr>
-                    </a:p>
-                  </a:txBody>
-                  <a:tcPr marL="51435" marR="51435" marT="25718" marB="25718" anchor="ctr"/>
-                </a:tc>
-                <a:extLst>
-                  <a:ext uri="{0D108BD9-81ED-4DB2-BD59-A6C34878D82A}">
-                    <a16:rowId xmlns:a16="http://schemas.microsoft.com/office/drawing/2014/main" val="202413654"/>
-                  </a:ext>
-                </a:extLst>
-              </a:tr>
-              <a:tr h="208598">
-                <a:tc vMerge="1">
-                  <a:txBody>
-                    <a:bodyPr/>
-                    <a:lstStyle/>
-                    <a:p>
-                      <a:pPr algn="ctr" latinLnBrk="1"/>
-                      <a:r>
-                        <a:rPr lang="en-US" altLang="ko-KR" sz="800" dirty="0" err="1">
-                          <a:latin typeface="+mn-lt"/>
-                        </a:rPr>
-                        <a:t>PCWrite</a:t>
-                      </a:r>
-                      <a:endParaRPr lang="ko-KR" altLang="en-US" sz="800" dirty="0">
-                        <a:latin typeface="+mn-lt"/>
-                      </a:endParaRPr>
-                    </a:p>
-                  </a:txBody>
-                  <a:tcPr marL="51435" marR="51435" marT="25718" marB="25718" anchor="ctr"/>
-                </a:tc>
-                <a:tc>
-                  <a:txBody>
-                    <a:bodyPr/>
-                    <a:lstStyle/>
-                    <a:p>
-                      <a:pPr algn="ctr" latinLnBrk="1"/>
-                      <a:r>
-                        <a:rPr lang="en-US" altLang="ko-KR" sz="800" dirty="0" err="1">
-                          <a:latin typeface="+mn-lt"/>
-                        </a:rPr>
-                        <a:t>SiSH_Interact</a:t>
-                      </a:r>
-                      <a:endParaRPr lang="ko-KR" altLang="en-US" sz="800" dirty="0">
-                        <a:latin typeface="+mn-lt"/>
-                      </a:endParaRPr>
-                    </a:p>
-                  </a:txBody>
-                  <a:tcPr marL="51435" marR="51435" marT="25718" marB="25718" anchor="ctr"/>
-                </a:tc>
-                <a:tc>
-                  <a:txBody>
-                    <a:bodyPr/>
-                    <a:lstStyle/>
-                    <a:p>
-                      <a:pPr marL="0" indent="0" algn="l" latinLnBrk="1">
-                        <a:buNone/>
-                      </a:pPr>
-                      <a:r>
-                        <a:rPr lang="en-US" altLang="ko-KR" sz="800" dirty="0">
-                          <a:latin typeface="+mn-lt"/>
-                        </a:rPr>
-                        <a:t>Function that become active when the Simple Shell is called interactively.</a:t>
-                      </a:r>
-                      <a:endParaRPr lang="ko-KR" altLang="en-US" sz="800" dirty="0">
-                        <a:latin typeface="+mn-lt"/>
-                      </a:endParaRPr>
-                    </a:p>
-                  </a:txBody>
-                  <a:tcPr marL="51435" marR="51435" marT="25718" marB="25718" anchor="ctr"/>
-                </a:tc>
-                <a:extLst>
-                  <a:ext uri="{0D108BD9-81ED-4DB2-BD59-A6C34878D82A}">
-                    <a16:rowId xmlns:a16="http://schemas.microsoft.com/office/drawing/2014/main" val="1495436593"/>
-                  </a:ext>
-                </a:extLst>
-              </a:tr>
-              <a:tr h="208598">
-                <a:tc vMerge="1">
-                  <a:txBody>
-                    <a:bodyPr/>
-                    <a:lstStyle/>
-                    <a:p>
-                      <a:pPr algn="ctr" latinLnBrk="1"/>
-                      <a:r>
-                        <a:rPr lang="en-US" altLang="ko-KR" sz="800" dirty="0" err="1">
-                          <a:latin typeface="+mn-lt"/>
-                        </a:rPr>
-                        <a:t>IFIDWrite</a:t>
-                      </a:r>
-                      <a:endParaRPr lang="ko-KR" altLang="en-US" sz="800" dirty="0">
-                        <a:latin typeface="+mn-lt"/>
-                      </a:endParaRPr>
-                    </a:p>
-                  </a:txBody>
-                  <a:tcPr marL="51435" marR="51435" marT="25718" marB="25718" anchor="ctr"/>
-                </a:tc>
-                <a:tc>
-                  <a:txBody>
-                    <a:bodyPr/>
-                    <a:lstStyle/>
-                    <a:p>
-                      <a:pPr algn="ctr" latinLnBrk="1"/>
-                      <a:r>
-                        <a:rPr lang="en-US" altLang="ko-KR" sz="800" dirty="0" err="1">
-                          <a:latin typeface="+mn-lt"/>
-                        </a:rPr>
-                        <a:t>SiSH_Script</a:t>
-                      </a:r>
-                      <a:endParaRPr lang="ko-KR" altLang="en-US" sz="800" dirty="0">
-                        <a:latin typeface="+mn-lt"/>
-                      </a:endParaRPr>
-                    </a:p>
-                  </a:txBody>
-                  <a:tcPr marL="51435" marR="51435" marT="25718" marB="25718" anchor="ctr"/>
-                </a:tc>
-                <a:tc>
-                  <a:txBody>
-                    <a:bodyPr/>
-                    <a:lstStyle/>
-                    <a:p>
-                      <a:pPr marL="0" indent="0" algn="l" latinLnBrk="1">
-                        <a:buNone/>
-                      </a:pPr>
-                      <a:r>
-                        <a:rPr lang="en-US" altLang="ko-KR" sz="800" dirty="0">
-                          <a:latin typeface="+mn-lt"/>
-                        </a:rPr>
-                        <a:t>Function that become active when the Simple Shell is called with a script as an argument.</a:t>
-                      </a:r>
-                      <a:endParaRPr lang="ko-KR" altLang="en-US" sz="800" dirty="0">
-                        <a:latin typeface="+mn-lt"/>
-                      </a:endParaRPr>
-                    </a:p>
-                  </a:txBody>
-                  <a:tcPr marL="51435" marR="51435" marT="25718" marB="25718" anchor="ctr"/>
-                </a:tc>
-                <a:extLst>
-                  <a:ext uri="{0D108BD9-81ED-4DB2-BD59-A6C34878D82A}">
-                    <a16:rowId xmlns:a16="http://schemas.microsoft.com/office/drawing/2014/main" val="1753924622"/>
-                  </a:ext>
-                </a:extLst>
-              </a:tr>
-              <a:tr h="208598">
-                <a:tc rowSpan="2">
-                  <a:txBody>
-                    <a:bodyPr/>
-                    <a:lstStyle/>
-                    <a:p>
-                      <a:pPr algn="ctr" latinLnBrk="1"/>
-                      <a:r>
-                        <a:rPr lang="en-US" altLang="ko-KR" sz="800" dirty="0">
-                          <a:latin typeface="+mn-lt"/>
-                        </a:rPr>
-                        <a:t>Built</a:t>
-                      </a:r>
-                      <a:endParaRPr lang="ko-KR" altLang="en-US" sz="800" dirty="0">
-                        <a:latin typeface="+mn-lt"/>
-                      </a:endParaRPr>
-                    </a:p>
-                  </a:txBody>
-                  <a:tcPr marL="51435" marR="51435" marT="25718" marB="25718" anchor="ctr"/>
-                </a:tc>
-                <a:tc>
-                  <a:txBody>
-                    <a:bodyPr/>
-                    <a:lstStyle/>
-                    <a:p>
-                      <a:pPr algn="ctr" latinLnBrk="1"/>
-                      <a:r>
-                        <a:rPr lang="en-US" altLang="ko-KR" sz="800" dirty="0" err="1">
-                          <a:latin typeface="+mn-lt"/>
-                        </a:rPr>
-                        <a:t>SiSH_cd</a:t>
-                      </a:r>
-                      <a:endParaRPr lang="ko-KR" altLang="en-US" sz="800" dirty="0">
-                        <a:latin typeface="+mn-lt"/>
-                      </a:endParaRPr>
-                    </a:p>
-                  </a:txBody>
-                  <a:tcPr marL="51435" marR="51435" marT="25718" marB="25718" anchor="ctr"/>
-                </a:tc>
-                <a:tc>
-                  <a:txBody>
-                    <a:bodyPr/>
-                    <a:lstStyle/>
-                    <a:p>
-                      <a:pPr marL="0" indent="0" algn="l" latinLnBrk="1">
-                        <a:buNone/>
-                      </a:pPr>
-                      <a:r>
-                        <a:rPr lang="en-US" altLang="ko-KR" sz="800" dirty="0">
-                          <a:latin typeface="+mn-lt"/>
-                        </a:rPr>
-                        <a:t>Function to operate the change directory command.</a:t>
-                      </a:r>
-                      <a:endParaRPr lang="ko-KR" altLang="en-US" sz="800" dirty="0">
-                        <a:latin typeface="+mn-lt"/>
-                      </a:endParaRPr>
-                    </a:p>
-                  </a:txBody>
-                  <a:tcPr marL="51435" marR="51435" marT="25718" marB="25718" anchor="ctr"/>
-                </a:tc>
-                <a:extLst>
-                  <a:ext uri="{0D108BD9-81ED-4DB2-BD59-A6C34878D82A}">
-                    <a16:rowId xmlns:a16="http://schemas.microsoft.com/office/drawing/2014/main" val="2680872045"/>
-                  </a:ext>
-                </a:extLst>
-              </a:tr>
-              <a:tr h="208598">
-                <a:tc vMerge="1">
-                  <a:txBody>
-                    <a:bodyPr/>
-                    <a:lstStyle/>
-                    <a:p>
-                      <a:pPr algn="ctr" latinLnBrk="1"/>
-                      <a:r>
-                        <a:rPr lang="en-US" altLang="ko-KR" sz="800" dirty="0">
-                          <a:latin typeface="+mn-lt"/>
-                        </a:rPr>
-                        <a:t>IDEX</a:t>
-                      </a:r>
-                      <a:endParaRPr lang="ko-KR" altLang="en-US" sz="800" dirty="0">
-                        <a:latin typeface="+mn-lt"/>
-                      </a:endParaRPr>
-                    </a:p>
-                  </a:txBody>
-                  <a:tcPr marL="51435" marR="51435" marT="25718" marB="25718" anchor="ctr"/>
-                </a:tc>
-                <a:tc>
-                  <a:txBody>
-                    <a:bodyPr/>
-                    <a:lstStyle/>
-                    <a:p>
-                      <a:pPr algn="ctr" latinLnBrk="1"/>
-                      <a:r>
-                        <a:rPr lang="en-US" altLang="ko-KR" sz="800" dirty="0" err="1">
-                          <a:latin typeface="+mn-lt"/>
-                        </a:rPr>
-                        <a:t>SiSH_exit</a:t>
-                      </a:r>
-                      <a:endParaRPr lang="ko-KR" altLang="en-US" sz="800" dirty="0">
-                        <a:latin typeface="+mn-lt"/>
-                      </a:endParaRPr>
-                    </a:p>
-                  </a:txBody>
-                  <a:tcPr marL="51435" marR="51435" marT="25718" marB="25718" anchor="ctr"/>
-                </a:tc>
-                <a:tc>
-                  <a:txBody>
-                    <a:bodyPr/>
-                    <a:lstStyle/>
-                    <a:p>
-                      <a:pPr marL="0" indent="0" algn="l" latinLnBrk="1">
-                        <a:buNone/>
-                      </a:pPr>
-                      <a:r>
-                        <a:rPr lang="en-US" altLang="ko-KR" sz="800" dirty="0">
-                          <a:latin typeface="+mn-lt"/>
-                        </a:rPr>
-                        <a:t>Function to operate the quit command.</a:t>
-                      </a:r>
-                      <a:endParaRPr lang="ko-KR" altLang="en-US" sz="800" dirty="0">
-                        <a:latin typeface="+mn-lt"/>
-                      </a:endParaRPr>
-                    </a:p>
-                  </a:txBody>
-                  <a:tcPr marL="51435" marR="51435" marT="25718" marB="25718" anchor="ctr"/>
-                </a:tc>
-                <a:extLst>
-                  <a:ext uri="{0D108BD9-81ED-4DB2-BD59-A6C34878D82A}">
-                    <a16:rowId xmlns:a16="http://schemas.microsoft.com/office/drawing/2014/main" val="3785525404"/>
-                  </a:ext>
-                </a:extLst>
-              </a:tr>
-              <a:tr h="208598">
-                <a:tc>
-                  <a:txBody>
-                    <a:bodyPr/>
-                    <a:lstStyle/>
-                    <a:p>
-                      <a:pPr algn="ctr" latinLnBrk="1"/>
-                      <a:r>
-                        <a:rPr lang="en-US" altLang="ko-KR" sz="800" dirty="0">
-                          <a:latin typeface="+mn-lt"/>
-                        </a:rPr>
-                        <a:t>Main</a:t>
-                      </a:r>
-                      <a:endParaRPr lang="ko-KR" altLang="en-US" sz="800" dirty="0">
-                        <a:latin typeface="+mn-lt"/>
-                      </a:endParaRPr>
-                    </a:p>
-                  </a:txBody>
-                  <a:tcPr marL="51435" marR="51435" marT="25718" marB="25718" anchor="ctr"/>
-                </a:tc>
-                <a:tc>
-                  <a:txBody>
-                    <a:bodyPr/>
-                    <a:lstStyle/>
-                    <a:p>
-                      <a:pPr algn="ctr" latinLnBrk="1"/>
-                      <a:r>
-                        <a:rPr lang="en-US" altLang="ko-KR" sz="800" dirty="0" err="1">
-                          <a:latin typeface="+mn-lt"/>
-                        </a:rPr>
-                        <a:t>HU_Init</a:t>
-                      </a:r>
-                      <a:endParaRPr lang="ko-KR" altLang="en-US" sz="800" dirty="0">
-                        <a:latin typeface="+mn-lt"/>
-                      </a:endParaRPr>
-                    </a:p>
-                  </a:txBody>
-                  <a:tcPr marL="51435" marR="51435" marT="25718" marB="25718" anchor="ctr"/>
-                </a:tc>
-                <a:tc>
-                  <a:txBody>
-                    <a:bodyPr/>
-                    <a:lstStyle/>
-                    <a:p>
-                      <a:pPr marL="0" indent="0" algn="l" latinLnBrk="1">
-                        <a:buNone/>
-                      </a:pPr>
-                      <a:r>
-                        <a:rPr lang="en-US" altLang="ko-KR" sz="800" dirty="0">
-                          <a:latin typeface="+mn-lt"/>
-                        </a:rPr>
-                        <a:t>Main function of the Simple </a:t>
-                      </a:r>
-                      <a:r>
-                        <a:rPr lang="en-US" altLang="ko-KR" sz="800">
-                          <a:latin typeface="+mn-lt"/>
-                        </a:rPr>
-                        <a:t>Shell program.</a:t>
-                      </a:r>
-                      <a:endParaRPr lang="ko-KR" altLang="en-US" sz="800" dirty="0">
-                        <a:latin typeface="+mn-lt"/>
-                      </a:endParaRPr>
-                    </a:p>
-                  </a:txBody>
-                  <a:tcPr marL="51435" marR="51435" marT="25718" marB="25718" anchor="ctr"/>
-                </a:tc>
-                <a:extLst>
-                  <a:ext uri="{0D108BD9-81ED-4DB2-BD59-A6C34878D82A}">
-                    <a16:rowId xmlns:a16="http://schemas.microsoft.com/office/drawing/2014/main" val="1699729109"/>
                   </a:ext>
                 </a:extLst>
               </a:tr>
